--- a/documents/thesis/TQLBO-paper/marco teorico/monkey.pptx
+++ b/documents/thesis/TQLBO-paper/marco teorico/monkey.pptx
@@ -7,7 +7,7 @@
   <p:sldIdLst>
     <p:sldId id="256" r:id="rId2"/>
   </p:sldIdLst>
-  <p:sldSz cx="9753600" cy="3779838"/>
+  <p:sldSz cx="9753600" cy="4140200"/>
   <p:notesSz cx="6858000" cy="9144000"/>
   <p:defaultTextStyle>
     <a:defPPr>
@@ -136,8 +136,8 @@
         </p:nvSpPr>
         <p:spPr>
           <a:xfrm>
-            <a:off x="731520" y="1174200"/>
-            <a:ext cx="8290560" cy="810215"/>
+            <a:off x="731520" y="1286147"/>
+            <a:ext cx="8290560" cy="887459"/>
           </a:xfrm>
         </p:spPr>
         <p:txBody>
@@ -164,8 +164,8 @@
         </p:nvSpPr>
         <p:spPr>
           <a:xfrm>
-            <a:off x="1463040" y="2141909"/>
-            <a:ext cx="6827520" cy="965959"/>
+            <a:off x="1463040" y="2346115"/>
+            <a:ext cx="6827520" cy="1058051"/>
           </a:xfrm>
         </p:spPr>
         <p:txBody>
@@ -288,7 +288,7 @@
           <a:p>
             <a:fld id="{8190B93A-1C18-4799-8A2F-6689B308FAE3}" type="datetimeFigureOut">
               <a:rPr lang="es-CO" smtClean="0"/>
-              <a:t>18/12/2012</a:t>
+              <a:t>26/12/2012</a:t>
             </a:fld>
             <a:endParaRPr lang="es-CO"/>
           </a:p>
@@ -458,7 +458,7 @@
           <a:p>
             <a:fld id="{8190B93A-1C18-4799-8A2F-6689B308FAE3}" type="datetimeFigureOut">
               <a:rPr lang="es-CO" smtClean="0"/>
-              <a:t>18/12/2012</a:t>
+              <a:t>26/12/2012</a:t>
             </a:fld>
             <a:endParaRPr lang="es-CO"/>
           </a:p>
@@ -548,8 +548,8 @@
         </p:nvSpPr>
         <p:spPr>
           <a:xfrm>
-            <a:off x="7543803" y="87496"/>
-            <a:ext cx="2340187" cy="1862795"/>
+            <a:off x="7543805" y="95839"/>
+            <a:ext cx="2340187" cy="2040390"/>
           </a:xfrm>
         </p:spPr>
         <p:txBody>
@@ -576,8 +576,8 @@
         </p:nvSpPr>
         <p:spPr>
           <a:xfrm>
-            <a:off x="519856" y="87496"/>
-            <a:ext cx="6861387" cy="1862795"/>
+            <a:off x="519858" y="95839"/>
+            <a:ext cx="6861387" cy="2040390"/>
           </a:xfrm>
         </p:spPr>
         <p:txBody>
@@ -638,7 +638,7 @@
           <a:p>
             <a:fld id="{8190B93A-1C18-4799-8A2F-6689B308FAE3}" type="datetimeFigureOut">
               <a:rPr lang="es-CO" smtClean="0"/>
-              <a:t>18/12/2012</a:t>
+              <a:t>26/12/2012</a:t>
             </a:fld>
             <a:endParaRPr lang="es-CO"/>
           </a:p>
@@ -808,7 +808,7 @@
           <a:p>
             <a:fld id="{8190B93A-1C18-4799-8A2F-6689B308FAE3}" type="datetimeFigureOut">
               <a:rPr lang="es-CO" smtClean="0"/>
-              <a:t>18/12/2012</a:t>
+              <a:t>26/12/2012</a:t>
             </a:fld>
             <a:endParaRPr lang="es-CO"/>
           </a:p>
@@ -898,8 +898,8 @@
         </p:nvSpPr>
         <p:spPr>
           <a:xfrm>
-            <a:off x="770467" y="2428898"/>
-            <a:ext cx="8290560" cy="750717"/>
+            <a:off x="770467" y="2660466"/>
+            <a:ext cx="8290560" cy="822289"/>
           </a:xfrm>
         </p:spPr>
         <p:txBody>
@@ -930,8 +930,8 @@
         </p:nvSpPr>
         <p:spPr>
           <a:xfrm>
-            <a:off x="770467" y="1602058"/>
-            <a:ext cx="8290560" cy="826840"/>
+            <a:off x="770467" y="1754795"/>
+            <a:ext cx="8290560" cy="905669"/>
           </a:xfrm>
         </p:spPr>
         <p:txBody>
@@ -1054,7 +1054,7 @@
           <a:p>
             <a:fld id="{8190B93A-1C18-4799-8A2F-6689B308FAE3}" type="datetimeFigureOut">
               <a:rPr lang="es-CO" smtClean="0"/>
-              <a:t>18/12/2012</a:t>
+              <a:t>26/12/2012</a:t>
             </a:fld>
             <a:endParaRPr lang="es-CO"/>
           </a:p>
@@ -1167,8 +1167,8 @@
         </p:nvSpPr>
         <p:spPr>
           <a:xfrm>
-            <a:off x="519854" y="509228"/>
-            <a:ext cx="4600786" cy="1441064"/>
+            <a:off x="519854" y="557777"/>
+            <a:ext cx="4600786" cy="1578452"/>
           </a:xfrm>
         </p:spPr>
         <p:txBody>
@@ -1252,8 +1252,8 @@
         </p:nvSpPr>
         <p:spPr>
           <a:xfrm>
-            <a:off x="5283202" y="509228"/>
-            <a:ext cx="4600787" cy="1441064"/>
+            <a:off x="5283204" y="557777"/>
+            <a:ext cx="4600787" cy="1578452"/>
           </a:xfrm>
         </p:spPr>
         <p:txBody>
@@ -1342,7 +1342,7 @@
           <a:p>
             <a:fld id="{8190B93A-1C18-4799-8A2F-6689B308FAE3}" type="datetimeFigureOut">
               <a:rPr lang="es-CO" smtClean="0"/>
-              <a:t>18/12/2012</a:t>
+              <a:t>26/12/2012</a:t>
             </a:fld>
             <a:endParaRPr lang="es-CO"/>
           </a:p>
@@ -1432,8 +1432,8 @@
         </p:nvSpPr>
         <p:spPr>
           <a:xfrm>
-            <a:off x="487680" y="151369"/>
-            <a:ext cx="8778240" cy="629973"/>
+            <a:off x="487680" y="165801"/>
+            <a:ext cx="8778240" cy="690034"/>
           </a:xfrm>
         </p:spPr>
         <p:txBody>
@@ -1464,8 +1464,8 @@
         </p:nvSpPr>
         <p:spPr>
           <a:xfrm>
-            <a:off x="487680" y="846089"/>
-            <a:ext cx="4309534" cy="352610"/>
+            <a:off x="487680" y="926754"/>
+            <a:ext cx="4309534" cy="386228"/>
           </a:xfrm>
         </p:spPr>
         <p:txBody>
@@ -1529,8 +1529,8 @@
         </p:nvSpPr>
         <p:spPr>
           <a:xfrm>
-            <a:off x="487680" y="1198698"/>
-            <a:ext cx="4309534" cy="2177782"/>
+            <a:off x="487680" y="1312980"/>
+            <a:ext cx="4309534" cy="2385407"/>
           </a:xfrm>
         </p:spPr>
         <p:txBody>
@@ -1614,8 +1614,8 @@
         </p:nvSpPr>
         <p:spPr>
           <a:xfrm>
-            <a:off x="4954696" y="846089"/>
-            <a:ext cx="4311227" cy="352610"/>
+            <a:off x="4954698" y="926754"/>
+            <a:ext cx="4311227" cy="386228"/>
           </a:xfrm>
         </p:spPr>
         <p:txBody>
@@ -1679,8 +1679,8 @@
         </p:nvSpPr>
         <p:spPr>
           <a:xfrm>
-            <a:off x="4954696" y="1198698"/>
-            <a:ext cx="4311227" cy="2177782"/>
+            <a:off x="4954698" y="1312980"/>
+            <a:ext cx="4311227" cy="2385407"/>
           </a:xfrm>
         </p:spPr>
         <p:txBody>
@@ -1769,7 +1769,7 @@
           <a:p>
             <a:fld id="{8190B93A-1C18-4799-8A2F-6689B308FAE3}" type="datetimeFigureOut">
               <a:rPr lang="es-CO" smtClean="0"/>
-              <a:t>18/12/2012</a:t>
+              <a:t>26/12/2012</a:t>
             </a:fld>
             <a:endParaRPr lang="es-CO"/>
           </a:p>
@@ -1887,7 +1887,7 @@
           <a:p>
             <a:fld id="{8190B93A-1C18-4799-8A2F-6689B308FAE3}" type="datetimeFigureOut">
               <a:rPr lang="es-CO" smtClean="0"/>
-              <a:t>18/12/2012</a:t>
+              <a:t>26/12/2012</a:t>
             </a:fld>
             <a:endParaRPr lang="es-CO"/>
           </a:p>
@@ -1982,7 +1982,7 @@
           <a:p>
             <a:fld id="{8190B93A-1C18-4799-8A2F-6689B308FAE3}" type="datetimeFigureOut">
               <a:rPr lang="es-CO" smtClean="0"/>
-              <a:t>18/12/2012</a:t>
+              <a:t>26/12/2012</a:t>
             </a:fld>
             <a:endParaRPr lang="es-CO"/>
           </a:p>
@@ -2072,8 +2072,8 @@
         </p:nvSpPr>
         <p:spPr>
           <a:xfrm>
-            <a:off x="487683" y="150493"/>
-            <a:ext cx="3208867" cy="640472"/>
+            <a:off x="487685" y="164842"/>
+            <a:ext cx="3208867" cy="701533"/>
           </a:xfrm>
         </p:spPr>
         <p:txBody>
@@ -2104,8 +2104,8 @@
         </p:nvSpPr>
         <p:spPr>
           <a:xfrm>
-            <a:off x="3813389" y="150493"/>
-            <a:ext cx="5452533" cy="3225987"/>
+            <a:off x="3813390" y="164841"/>
+            <a:ext cx="5452533" cy="3533546"/>
           </a:xfrm>
         </p:spPr>
         <p:txBody>
@@ -2189,8 +2189,8 @@
         </p:nvSpPr>
         <p:spPr>
           <a:xfrm>
-            <a:off x="487683" y="790967"/>
-            <a:ext cx="3208867" cy="2585514"/>
+            <a:off x="487685" y="866376"/>
+            <a:ext cx="3208867" cy="2832012"/>
           </a:xfrm>
         </p:spPr>
         <p:txBody>
@@ -2259,7 +2259,7 @@
           <a:p>
             <a:fld id="{8190B93A-1C18-4799-8A2F-6689B308FAE3}" type="datetimeFigureOut">
               <a:rPr lang="es-CO" smtClean="0"/>
-              <a:t>18/12/2012</a:t>
+              <a:t>26/12/2012</a:t>
             </a:fld>
             <a:endParaRPr lang="es-CO"/>
           </a:p>
@@ -2349,8 +2349,8 @@
         </p:nvSpPr>
         <p:spPr>
           <a:xfrm>
-            <a:off x="1911774" y="2645887"/>
-            <a:ext cx="5852160" cy="312361"/>
+            <a:off x="1911774" y="2898142"/>
+            <a:ext cx="5852160" cy="342141"/>
           </a:xfrm>
         </p:spPr>
         <p:txBody>
@@ -2381,8 +2381,8 @@
         </p:nvSpPr>
         <p:spPr>
           <a:xfrm>
-            <a:off x="1911774" y="337736"/>
-            <a:ext cx="5852160" cy="2267903"/>
+            <a:off x="1911774" y="369936"/>
+            <a:ext cx="5852160" cy="2484120"/>
           </a:xfrm>
         </p:spPr>
         <p:txBody>
@@ -2442,8 +2442,8 @@
         </p:nvSpPr>
         <p:spPr>
           <a:xfrm>
-            <a:off x="1911774" y="2958250"/>
-            <a:ext cx="5852160" cy="443605"/>
+            <a:off x="1911774" y="3240284"/>
+            <a:ext cx="5852160" cy="485897"/>
           </a:xfrm>
         </p:spPr>
         <p:txBody>
@@ -2512,7 +2512,7 @@
           <a:p>
             <a:fld id="{8190B93A-1C18-4799-8A2F-6689B308FAE3}" type="datetimeFigureOut">
               <a:rPr lang="es-CO" smtClean="0"/>
-              <a:t>18/12/2012</a:t>
+              <a:t>26/12/2012</a:t>
             </a:fld>
             <a:endParaRPr lang="es-CO"/>
           </a:p>
@@ -2607,8 +2607,8 @@
         </p:nvSpPr>
         <p:spPr>
           <a:xfrm>
-            <a:off x="487680" y="151369"/>
-            <a:ext cx="8778240" cy="629973"/>
+            <a:off x="487680" y="165801"/>
+            <a:ext cx="8778240" cy="690034"/>
           </a:xfrm>
           <a:prstGeom prst="rect">
             <a:avLst/>
@@ -2640,8 +2640,8 @@
         </p:nvSpPr>
         <p:spPr>
           <a:xfrm>
-            <a:off x="487680" y="881963"/>
-            <a:ext cx="8778240" cy="2494518"/>
+            <a:off x="487680" y="966049"/>
+            <a:ext cx="8778240" cy="2732340"/>
           </a:xfrm>
           <a:prstGeom prst="rect">
             <a:avLst/>
@@ -2702,8 +2702,8 @@
         </p:nvSpPr>
         <p:spPr>
           <a:xfrm>
-            <a:off x="487680" y="3503351"/>
-            <a:ext cx="2275840" cy="201242"/>
+            <a:off x="487680" y="3837354"/>
+            <a:ext cx="2275840" cy="220428"/>
           </a:xfrm>
           <a:prstGeom prst="rect">
             <a:avLst/>
@@ -2725,7 +2725,7 @@
           <a:p>
             <a:fld id="{8190B93A-1C18-4799-8A2F-6689B308FAE3}" type="datetimeFigureOut">
               <a:rPr lang="es-CO" smtClean="0"/>
-              <a:t>18/12/2012</a:t>
+              <a:t>26/12/2012</a:t>
             </a:fld>
             <a:endParaRPr lang="es-CO"/>
           </a:p>
@@ -2743,8 +2743,8 @@
         </p:nvSpPr>
         <p:spPr>
           <a:xfrm>
-            <a:off x="3332480" y="3503351"/>
-            <a:ext cx="3088640" cy="201242"/>
+            <a:off x="3332480" y="3837354"/>
+            <a:ext cx="3088640" cy="220428"/>
           </a:xfrm>
           <a:prstGeom prst="rect">
             <a:avLst/>
@@ -2780,8 +2780,8 @@
         </p:nvSpPr>
         <p:spPr>
           <a:xfrm>
-            <a:off x="6990080" y="3503351"/>
-            <a:ext cx="2275840" cy="201242"/>
+            <a:off x="6990080" y="3837354"/>
+            <a:ext cx="2275840" cy="220428"/>
           </a:xfrm>
           <a:prstGeom prst="rect">
             <a:avLst/>
@@ -3115,14 +3115,14 @@
           </p:nvPr>
         </p:nvGraphicFramePr>
         <p:xfrm>
-          <a:off x="1420417" y="3423540"/>
-          <a:ext cx="381617" cy="356116"/>
+          <a:off x="1420419" y="3749933"/>
+          <a:ext cx="381617" cy="390067"/>
         </p:xfrm>
         <a:graphic>
           <a:graphicData uri="http://schemas.openxmlformats.org/presentationml/2006/ole">
             <mc:AlternateContent xmlns:mc="http://schemas.openxmlformats.org/markup-compatibility/2006">
               <mc:Choice xmlns:v="urn:schemas-microsoft-com:vml" Requires="v">
-                <p:oleObj spid="_x0000_s1049" name="Ecuación" r:id="rId3" imgW="228600" imgH="203040" progId="Equation.3">
+                <p:oleObj spid="_x0000_s1055" name="Ecuación" r:id="rId3" imgW="228600" imgH="203040" progId="Equation.3">
                   <p:embed/>
                 </p:oleObj>
               </mc:Choice>
@@ -3143,8 +3143,8 @@
                     </p:blipFill>
                     <p:spPr>
                       <a:xfrm>
-                        <a:off x="1420417" y="3423540"/>
-                        <a:ext cx="381617" cy="356116"/>
+                        <a:off x="1420419" y="3749933"/>
+                        <a:ext cx="381617" cy="390067"/>
                       </a:xfrm>
                       <a:prstGeom prst="rect">
                         <a:avLst/>
@@ -3172,14 +3172,14 @@
           </p:nvPr>
         </p:nvGraphicFramePr>
         <p:xfrm>
-          <a:off x="4660777" y="3423540"/>
-          <a:ext cx="381617" cy="356116"/>
+          <a:off x="4660779" y="3749933"/>
+          <a:ext cx="381617" cy="390067"/>
         </p:xfrm>
         <a:graphic>
           <a:graphicData uri="http://schemas.openxmlformats.org/presentationml/2006/ole">
             <mc:AlternateContent xmlns:mc="http://schemas.openxmlformats.org/markup-compatibility/2006">
               <mc:Choice xmlns:v="urn:schemas-microsoft-com:vml" Requires="v">
-                <p:oleObj spid="_x0000_s1050" name="Ecuación" r:id="rId5" imgW="228600" imgH="203040" progId="Equation.3">
+                <p:oleObj spid="_x0000_s1056" name="Ecuación" r:id="rId5" imgW="228600" imgH="203040" progId="Equation.3">
                   <p:embed/>
                 </p:oleObj>
               </mc:Choice>
@@ -3203,8 +3203,8 @@
                     </p:blipFill>
                     <p:spPr bwMode="auto">
                       <a:xfrm>
-                        <a:off x="4660777" y="3423540"/>
-                        <a:ext cx="381617" cy="356116"/>
+                        <a:off x="4660779" y="3749933"/>
+                        <a:ext cx="381617" cy="390067"/>
                       </a:xfrm>
                       <a:prstGeom prst="rect">
                         <a:avLst/>
@@ -3236,14 +3236,14 @@
           </p:nvPr>
         </p:nvGraphicFramePr>
         <p:xfrm>
-          <a:off x="7924361" y="3423696"/>
-          <a:ext cx="360417" cy="356116"/>
+          <a:off x="7924363" y="3750105"/>
+          <a:ext cx="360417" cy="390067"/>
         </p:xfrm>
         <a:graphic>
           <a:graphicData uri="http://schemas.openxmlformats.org/presentationml/2006/ole">
             <mc:AlternateContent xmlns:mc="http://schemas.openxmlformats.org/markup-compatibility/2006">
               <mc:Choice xmlns:v="urn:schemas-microsoft-com:vml" Requires="v">
-                <p:oleObj spid="_x0000_s1051" name="Ecuación" r:id="rId7" imgW="215640" imgH="203040" progId="Equation.3">
+                <p:oleObj spid="_x0000_s1057" name="Ecuación" r:id="rId7" imgW="215640" imgH="203040" progId="Equation.3">
                   <p:embed/>
                 </p:oleObj>
               </mc:Choice>
@@ -3267,8 +3267,8 @@
                     </p:blipFill>
                     <p:spPr bwMode="auto">
                       <a:xfrm>
-                        <a:off x="7924361" y="3423696"/>
-                        <a:ext cx="360417" cy="356116"/>
+                        <a:off x="7924363" y="3750105"/>
+                        <a:ext cx="360417" cy="390067"/>
                       </a:xfrm>
                       <a:prstGeom prst="rect">
                         <a:avLst/>
@@ -3287,7 +3287,7 @@
       </p:graphicFrame>
       <p:pic>
         <p:nvPicPr>
-          <p:cNvPr id="1045" name="Picture 21" descr="E:\personal\maestria\tesis\Jeronimo\trunk\documents\thesis\TQLBO-paper\images\monkey.png"/>
+          <p:cNvPr id="1054" name="Picture 30" descr="E:\personal\maestria\tesis\Jeronimo\trunk\documents\thesis\TQLBO-paper\images\monkey.png"/>
           <p:cNvPicPr>
             <a:picLocks noChangeAspect="1" noChangeArrowheads="1"/>
           </p:cNvPicPr>
@@ -3308,8 +3308,8 @@
         </p:blipFill>
         <p:spPr bwMode="auto">
           <a:xfrm>
-            <a:off x="0" y="-8983"/>
-            <a:ext cx="9753601" cy="3429000"/>
+            <a:off x="0" y="0"/>
+            <a:ext cx="9753601" cy="3810000"/>
           </a:xfrm>
           <a:prstGeom prst="rect">
             <a:avLst/>

--- a/documents/thesis/TQLBO-paper/marco teorico/monkey.pptx
+++ b/documents/thesis/TQLBO-paper/marco teorico/monkey.pptx
@@ -288,7 +288,7 @@
           <a:p>
             <a:fld id="{8190B93A-1C18-4799-8A2F-6689B308FAE3}" type="datetimeFigureOut">
               <a:rPr lang="es-CO" smtClean="0"/>
-              <a:t>26/12/2012</a:t>
+              <a:t>15/01/2013</a:t>
             </a:fld>
             <a:endParaRPr lang="es-CO"/>
           </a:p>
@@ -458,7 +458,7 @@
           <a:p>
             <a:fld id="{8190B93A-1C18-4799-8A2F-6689B308FAE3}" type="datetimeFigureOut">
               <a:rPr lang="es-CO" smtClean="0"/>
-              <a:t>26/12/2012</a:t>
+              <a:t>15/01/2013</a:t>
             </a:fld>
             <a:endParaRPr lang="es-CO"/>
           </a:p>
@@ -638,7 +638,7 @@
           <a:p>
             <a:fld id="{8190B93A-1C18-4799-8A2F-6689B308FAE3}" type="datetimeFigureOut">
               <a:rPr lang="es-CO" smtClean="0"/>
-              <a:t>26/12/2012</a:t>
+              <a:t>15/01/2013</a:t>
             </a:fld>
             <a:endParaRPr lang="es-CO"/>
           </a:p>
@@ -808,7 +808,7 @@
           <a:p>
             <a:fld id="{8190B93A-1C18-4799-8A2F-6689B308FAE3}" type="datetimeFigureOut">
               <a:rPr lang="es-CO" smtClean="0"/>
-              <a:t>26/12/2012</a:t>
+              <a:t>15/01/2013</a:t>
             </a:fld>
             <a:endParaRPr lang="es-CO"/>
           </a:p>
@@ -1054,7 +1054,7 @@
           <a:p>
             <a:fld id="{8190B93A-1C18-4799-8A2F-6689B308FAE3}" type="datetimeFigureOut">
               <a:rPr lang="es-CO" smtClean="0"/>
-              <a:t>26/12/2012</a:t>
+              <a:t>15/01/2013</a:t>
             </a:fld>
             <a:endParaRPr lang="es-CO"/>
           </a:p>
@@ -1342,7 +1342,7 @@
           <a:p>
             <a:fld id="{8190B93A-1C18-4799-8A2F-6689B308FAE3}" type="datetimeFigureOut">
               <a:rPr lang="es-CO" smtClean="0"/>
-              <a:t>26/12/2012</a:t>
+              <a:t>15/01/2013</a:t>
             </a:fld>
             <a:endParaRPr lang="es-CO"/>
           </a:p>
@@ -1769,7 +1769,7 @@
           <a:p>
             <a:fld id="{8190B93A-1C18-4799-8A2F-6689B308FAE3}" type="datetimeFigureOut">
               <a:rPr lang="es-CO" smtClean="0"/>
-              <a:t>26/12/2012</a:t>
+              <a:t>15/01/2013</a:t>
             </a:fld>
             <a:endParaRPr lang="es-CO"/>
           </a:p>
@@ -1887,7 +1887,7 @@
           <a:p>
             <a:fld id="{8190B93A-1C18-4799-8A2F-6689B308FAE3}" type="datetimeFigureOut">
               <a:rPr lang="es-CO" smtClean="0"/>
-              <a:t>26/12/2012</a:t>
+              <a:t>15/01/2013</a:t>
             </a:fld>
             <a:endParaRPr lang="es-CO"/>
           </a:p>
@@ -1982,7 +1982,7 @@
           <a:p>
             <a:fld id="{8190B93A-1C18-4799-8A2F-6689B308FAE3}" type="datetimeFigureOut">
               <a:rPr lang="es-CO" smtClean="0"/>
-              <a:t>26/12/2012</a:t>
+              <a:t>15/01/2013</a:t>
             </a:fld>
             <a:endParaRPr lang="es-CO"/>
           </a:p>
@@ -2259,7 +2259,7 @@
           <a:p>
             <a:fld id="{8190B93A-1C18-4799-8A2F-6689B308FAE3}" type="datetimeFigureOut">
               <a:rPr lang="es-CO" smtClean="0"/>
-              <a:t>26/12/2012</a:t>
+              <a:t>15/01/2013</a:t>
             </a:fld>
             <a:endParaRPr lang="es-CO"/>
           </a:p>
@@ -2512,7 +2512,7 @@
           <a:p>
             <a:fld id="{8190B93A-1C18-4799-8A2F-6689B308FAE3}" type="datetimeFigureOut">
               <a:rPr lang="es-CO" smtClean="0"/>
-              <a:t>26/12/2012</a:t>
+              <a:t>15/01/2013</a:t>
             </a:fld>
             <a:endParaRPr lang="es-CO"/>
           </a:p>
@@ -2725,7 +2725,7 @@
           <a:p>
             <a:fld id="{8190B93A-1C18-4799-8A2F-6689B308FAE3}" type="datetimeFigureOut">
               <a:rPr lang="es-CO" smtClean="0"/>
-              <a:t>26/12/2012</a:t>
+              <a:t>15/01/2013</a:t>
             </a:fld>
             <a:endParaRPr lang="es-CO"/>
           </a:p>
@@ -3122,7 +3122,7 @@
           <a:graphicData uri="http://schemas.openxmlformats.org/presentationml/2006/ole">
             <mc:AlternateContent xmlns:mc="http://schemas.openxmlformats.org/markup-compatibility/2006">
               <mc:Choice xmlns:v="urn:schemas-microsoft-com:vml" Requires="v">
-                <p:oleObj spid="_x0000_s1055" name="Ecuación" r:id="rId3" imgW="228600" imgH="203040" progId="Equation.3">
+                <p:oleObj spid="_x0000_s1060" name="Ecuación" r:id="rId3" imgW="228600" imgH="203040" progId="Equation.3">
                   <p:embed/>
                 </p:oleObj>
               </mc:Choice>
@@ -3179,7 +3179,7 @@
           <a:graphicData uri="http://schemas.openxmlformats.org/presentationml/2006/ole">
             <mc:AlternateContent xmlns:mc="http://schemas.openxmlformats.org/markup-compatibility/2006">
               <mc:Choice xmlns:v="urn:schemas-microsoft-com:vml" Requires="v">
-                <p:oleObj spid="_x0000_s1056" name="Ecuación" r:id="rId5" imgW="228600" imgH="203040" progId="Equation.3">
+                <p:oleObj spid="_x0000_s1061" name="Ecuación" r:id="rId5" imgW="228600" imgH="203040" progId="Equation.3">
                   <p:embed/>
                 </p:oleObj>
               </mc:Choice>
@@ -3243,7 +3243,7 @@
           <a:graphicData uri="http://schemas.openxmlformats.org/presentationml/2006/ole">
             <mc:AlternateContent xmlns:mc="http://schemas.openxmlformats.org/markup-compatibility/2006">
               <mc:Choice xmlns:v="urn:schemas-microsoft-com:vml" Requires="v">
-                <p:oleObj spid="_x0000_s1057" name="Ecuación" r:id="rId7" imgW="215640" imgH="203040" progId="Equation.3">
+                <p:oleObj spid="_x0000_s1062" name="Ecuación" r:id="rId7" imgW="215640" imgH="203040" progId="Equation.3">
                   <p:embed/>
                 </p:oleObj>
               </mc:Choice>
@@ -3287,7 +3287,7 @@
       </p:graphicFrame>
       <p:pic>
         <p:nvPicPr>
-          <p:cNvPr id="1054" name="Picture 30" descr="E:\personal\maestria\tesis\Jeronimo\trunk\documents\thesis\TQLBO-paper\images\monkey.png"/>
+          <p:cNvPr id="1059" name="Picture 35" descr="E:\personal\maestria\tesis\Jeronimo\trunk\documents\thesis\TQLBO-paper\images\monkey.png"/>
           <p:cNvPicPr>
             <a:picLocks noChangeAspect="1" noChangeArrowheads="1"/>
           </p:cNvPicPr>
@@ -3309,7 +3309,7 @@
         <p:spPr bwMode="auto">
           <a:xfrm>
             <a:off x="0" y="0"/>
-            <a:ext cx="9753601" cy="3810000"/>
+            <a:ext cx="9753600" cy="3810000"/>
           </a:xfrm>
           <a:prstGeom prst="rect">
             <a:avLst/>
